--- a/lecture-materials/Managment&Governance/amazon_managed_service_for_prometheus/Amazon_Managed_Service_for_Prometheus.pptx
+++ b/lecture-materials/Managment&Governance/amazon_managed_service_for_prometheus/Amazon_Managed_Service_for_Prometheus.pptx
@@ -5,12 +5,13 @@
     <p:sldMasterId id="2147483660" r:id="rId1"/>
   </p:sldMasterIdLst>
   <p:notesMasterIdLst>
-    <p:notesMasterId r:id="rId5"/>
+    <p:notesMasterId r:id="rId6"/>
   </p:notesMasterIdLst>
   <p:sldIdLst>
     <p:sldId id="256" r:id="rId2"/>
-    <p:sldId id="257" r:id="rId3"/>
-    <p:sldId id="258" r:id="rId4"/>
+    <p:sldId id="259" r:id="rId3"/>
+    <p:sldId id="257" r:id="rId4"/>
+    <p:sldId id="258" r:id="rId5"/>
   </p:sldIdLst>
   <p:sldSz cx="9144000" cy="5143500" type="screen16x9"/>
   <p:notesSz cx="6858000" cy="9144000"/>
@@ -1030,7 +1031,7 @@
           <a:p>
             <a:fld id="{2104ADA7-4E14-8C4E-ADCA-27A3A2B7F310}" type="datetimeFigureOut">
               <a:rPr lang="en-CH" smtClean="0"/>
-              <a:t>03.12.2023</a:t>
+              <a:t>15.01.2024</a:t>
             </a:fld>
             <a:endParaRPr lang="en-CH"/>
           </a:p>
@@ -1240,7 +1241,7 @@
           <a:p>
             <a:fld id="{2104ADA7-4E14-8C4E-ADCA-27A3A2B7F310}" type="datetimeFigureOut">
               <a:rPr lang="en-CH" smtClean="0"/>
-              <a:t>03.12.2023</a:t>
+              <a:t>15.01.2024</a:t>
             </a:fld>
             <a:endParaRPr lang="en-CH"/>
           </a:p>
@@ -1460,7 +1461,7 @@
           <a:p>
             <a:fld id="{2104ADA7-4E14-8C4E-ADCA-27A3A2B7F310}" type="datetimeFigureOut">
               <a:rPr lang="en-CH" smtClean="0"/>
-              <a:t>03.12.2023</a:t>
+              <a:t>15.01.2024</a:t>
             </a:fld>
             <a:endParaRPr lang="en-CH"/>
           </a:p>
@@ -2037,7 +2038,7 @@
           <a:p>
             <a:fld id="{2104ADA7-4E14-8C4E-ADCA-27A3A2B7F310}" type="datetimeFigureOut">
               <a:rPr lang="en-CH" smtClean="0"/>
-              <a:t>03.12.2023</a:t>
+              <a:t>15.01.2024</a:t>
             </a:fld>
             <a:endParaRPr lang="en-CH"/>
           </a:p>
@@ -2323,7 +2324,7 @@
           <a:p>
             <a:fld id="{2104ADA7-4E14-8C4E-ADCA-27A3A2B7F310}" type="datetimeFigureOut">
               <a:rPr lang="en-CH" smtClean="0"/>
-              <a:t>03.12.2023</a:t>
+              <a:t>15.01.2024</a:t>
             </a:fld>
             <a:endParaRPr lang="en-CH"/>
           </a:p>
@@ -2601,7 +2602,7 @@
           <a:p>
             <a:fld id="{2104ADA7-4E14-8C4E-ADCA-27A3A2B7F310}" type="datetimeFigureOut">
               <a:rPr lang="en-CH" smtClean="0"/>
-              <a:t>03.12.2023</a:t>
+              <a:t>15.01.2024</a:t>
             </a:fld>
             <a:endParaRPr lang="en-CH"/>
           </a:p>
@@ -3026,7 +3027,7 @@
           <a:p>
             <a:fld id="{2104ADA7-4E14-8C4E-ADCA-27A3A2B7F310}" type="datetimeFigureOut">
               <a:rPr lang="en-CH" smtClean="0"/>
-              <a:t>03.12.2023</a:t>
+              <a:t>15.01.2024</a:t>
             </a:fld>
             <a:endParaRPr lang="en-CH"/>
           </a:p>
@@ -3178,7 +3179,7 @@
           <a:p>
             <a:fld id="{2104ADA7-4E14-8C4E-ADCA-27A3A2B7F310}" type="datetimeFigureOut">
               <a:rPr lang="en-CH" smtClean="0"/>
-              <a:t>03.12.2023</a:t>
+              <a:t>15.01.2024</a:t>
             </a:fld>
             <a:endParaRPr lang="en-CH"/>
           </a:p>
@@ -3301,7 +3302,7 @@
           <a:p>
             <a:fld id="{2104ADA7-4E14-8C4E-ADCA-27A3A2B7F310}" type="datetimeFigureOut">
               <a:rPr lang="en-CH" smtClean="0"/>
-              <a:t>03.12.2023</a:t>
+              <a:t>15.01.2024</a:t>
             </a:fld>
             <a:endParaRPr lang="en-CH"/>
           </a:p>
@@ -3623,7 +3624,7 @@
           <a:p>
             <a:fld id="{2104ADA7-4E14-8C4E-ADCA-27A3A2B7F310}" type="datetimeFigureOut">
               <a:rPr lang="en-CH" smtClean="0"/>
-              <a:t>03.12.2023</a:t>
+              <a:t>15.01.2024</a:t>
             </a:fld>
             <a:endParaRPr lang="en-CH"/>
           </a:p>
@@ -3922,7 +3923,7 @@
           <a:p>
             <a:fld id="{2104ADA7-4E14-8C4E-ADCA-27A3A2B7F310}" type="datetimeFigureOut">
               <a:rPr lang="en-CH" smtClean="0"/>
-              <a:t>03.12.2023</a:t>
+              <a:t>15.01.2024</a:t>
             </a:fld>
             <a:endParaRPr lang="en-CH"/>
           </a:p>
@@ -4175,7 +4176,7 @@
           <a:p>
             <a:fld id="{2104ADA7-4E14-8C4E-ADCA-27A3A2B7F310}" type="datetimeFigureOut">
               <a:rPr lang="en-CH" smtClean="0"/>
-              <a:t>03.12.2023</a:t>
+              <a:t>15.01.2024</a:t>
             </a:fld>
             <a:endParaRPr lang="en-CH"/>
           </a:p>
@@ -4709,7 +4710,7 @@
               <a:buSzPts val="1100"/>
             </a:pPr>
             <a:r>
-              <a:rPr lang="en-US" sz="2300" kern="1200">
+              <a:rPr lang="en-US" sz="2300" kern="1200" dirty="0">
                 <a:solidFill>
                   <a:schemeClr val="tx1"/>
                 </a:solidFill>
@@ -4720,26 +4721,8 @@
                 <a:ea typeface="+mj-ea"/>
                 <a:cs typeface="+mj-cs"/>
               </a:rPr>
-              <a:t>Amazon Managed Service for Prometheus </a:t>
-            </a:r>
-          </a:p>
-          <a:p>
-            <a:pPr marL="0" lvl="0" indent="0" defTabSz="914400">
-              <a:spcBef>
-                <a:spcPct val="0"/>
-              </a:spcBef>
-              <a:spcAft>
-                <a:spcPts val="0"/>
-              </a:spcAft>
-            </a:pPr>
-            <a:endParaRPr lang="en-US" sz="2300" kern="1200">
-              <a:solidFill>
-                <a:schemeClr val="tx1"/>
-              </a:solidFill>
-              <a:latin typeface="+mj-lt"/>
-              <a:ea typeface="+mj-ea"/>
-              <a:cs typeface="+mj-cs"/>
-            </a:endParaRPr>
+              <a:t>Amazon Managed Service for Prometheus</a:t>
+            </a:r>
           </a:p>
         </p:txBody>
       </p:sp>
@@ -5192,7 +5175,7 @@
     </p:bg>
     <p:spTree>
       <p:nvGrpSpPr>
-        <p:cNvPr id="1" name="Shape 60"/>
+        <p:cNvPr id="1" name=""/>
         <p:cNvGrpSpPr/>
         <p:nvPr/>
       </p:nvGrpSpPr>
@@ -5206,7 +5189,7 @@
       </p:grpSpPr>
       <p:sp>
         <p:nvSpPr>
-          <p:cNvPr id="67" name="Down Arrow 7">
+          <p:cNvPr id="1033" name="Down Arrow 7">
             <a:extLst>
               <a:ext uri="{FF2B5EF4-FFF2-40B4-BE49-F238E27FC236}">
                 <a16:creationId xmlns:a16="http://schemas.microsoft.com/office/drawing/2014/main" id="{D4771268-CB57-404A-9271-370EB28F6090}"/>
@@ -5272,12 +5255,18 @@
       </p:sp>
       <p:sp>
         <p:nvSpPr>
-          <p:cNvPr id="62" name="Google Shape;62;p14"/>
-          <p:cNvSpPr txBox="1">
-            <a:spLocks noGrp="1"/>
-          </p:cNvSpPr>
-          <p:nvPr>
-            <p:ph type="ctrTitle"/>
+          <p:cNvPr id="2" name="Title 1">
+            <a:extLst>
+              <a:ext uri="{FF2B5EF4-FFF2-40B4-BE49-F238E27FC236}">
+                <a16:creationId xmlns:a16="http://schemas.microsoft.com/office/drawing/2014/main" id="{15B4C538-2462-9F96-5DD9-8141780C90F7}"/>
+              </a:ext>
+            </a:extLst>
+          </p:cNvPr>
+          <p:cNvSpPr>
+            <a:spLocks noGrp="1"/>
+          </p:cNvSpPr>
+          <p:nvPr>
+            <p:ph type="title"/>
           </p:nvPr>
         </p:nvSpPr>
         <p:spPr>
@@ -5285,24 +5274,21 @@
             <a:off x="771525" y="1475449"/>
             <a:ext cx="1971675" cy="1910443"/>
           </a:xfrm>
-          <a:prstGeom prst="rect">
-            <a:avLst/>
-          </a:prstGeom>
           <a:noFill/>
         </p:spPr>
         <p:txBody>
-          <a:bodyPr spcFirstLastPara="1" vert="horz" lIns="91440" tIns="45720" rIns="91440" bIns="45720" rtlCol="0" anchor="ctr" anchorCtr="0">
+          <a:bodyPr vert="horz" lIns="91440" tIns="45720" rIns="91440" bIns="45720" rtlCol="0" anchor="ctr">
             <a:normAutofit/>
           </a:bodyPr>
           <a:lstStyle/>
           <a:p>
-            <a:pPr marL="0" lvl="0" indent="0" defTabSz="914400">
-              <a:spcAft>
-                <a:spcPts val="0"/>
-              </a:spcAft>
+            <a:pPr algn="ctr" defTabSz="914400">
+              <a:spcBef>
+                <a:spcPct val="0"/>
+              </a:spcBef>
             </a:pPr>
             <a:r>
-              <a:rPr lang="en-US" sz="2300" kern="1200">
+              <a:rPr lang="en-US" sz="2700" kern="1200">
                 <a:solidFill>
                   <a:srgbClr val="FFFFFF"/>
                 </a:solidFill>
@@ -5310,68 +5296,63 @@
                 <a:ea typeface="+mj-ea"/>
                 <a:cs typeface="+mj-cs"/>
               </a:rPr>
-              <a:t>Getting Started with Amazon Managed Service for Prometheus</a:t>
-            </a:r>
-          </a:p>
-          <a:p>
-            <a:pPr marL="0" lvl="0" indent="0" defTabSz="914400">
-              <a:spcAft>
-                <a:spcPts val="0"/>
-              </a:spcAft>
-            </a:pPr>
-            <a:endParaRPr lang="en-US" sz="2300" kern="1200">
-              <a:solidFill>
-                <a:srgbClr val="FFFFFF"/>
-              </a:solidFill>
-              <a:highlight>
-                <a:srgbClr val="FFFFFF"/>
-              </a:highlight>
-              <a:latin typeface="+mj-lt"/>
-              <a:ea typeface="+mj-ea"/>
-              <a:cs typeface="+mj-cs"/>
-            </a:endParaRPr>
-          </a:p>
-          <a:p>
-            <a:pPr marL="0" lvl="0" indent="0" defTabSz="914400">
-              <a:spcAft>
-                <a:spcPts val="0"/>
-              </a:spcAft>
-            </a:pPr>
-            <a:endParaRPr lang="en-US" sz="2300" kern="1200">
-              <a:solidFill>
-                <a:srgbClr val="FFFFFF"/>
-              </a:solidFill>
-              <a:latin typeface="+mj-lt"/>
-              <a:ea typeface="+mj-ea"/>
-              <a:cs typeface="+mj-cs"/>
-            </a:endParaRPr>
+              <a:t>Prometheus monitoring with Grafana</a:t>
+            </a:r>
           </a:p>
         </p:txBody>
       </p:sp>
       <p:pic>
         <p:nvPicPr>
-          <p:cNvPr id="61" name="Google Shape;61;p14"/>
-          <p:cNvPicPr preferRelativeResize="0"/>
+          <p:cNvPr id="1026" name="Picture 2" descr="Create a Prometheus Monitoring Server with a Grafana Dashboard | by Jigar  Chavada | Level Up Coding">
+            <a:extLst>
+              <a:ext uri="{FF2B5EF4-FFF2-40B4-BE49-F238E27FC236}">
+                <a16:creationId xmlns:a16="http://schemas.microsoft.com/office/drawing/2014/main" id="{F63B6A34-DEB1-BF2E-94D5-7286C0DDE90D}"/>
+              </a:ext>
+            </a:extLst>
+          </p:cNvPr>
+          <p:cNvPicPr>
+            <a:picLocks noChangeAspect="1" noChangeArrowheads="1"/>
+          </p:cNvPicPr>
           <p:nvPr/>
         </p:nvPicPr>
         <p:blipFill>
-          <a:blip r:embed="rId3"/>
+          <a:blip r:embed="rId2">
+            <a:extLst>
+              <a:ext uri="{28A0092B-C50C-407E-A947-70E740481C1C}">
+                <a14:useLocalDpi xmlns:a14="http://schemas.microsoft.com/office/drawing/2010/main" val="0"/>
+              </a:ext>
+            </a:extLst>
+          </a:blip>
           <a:stretch>
             <a:fillRect/>
           </a:stretch>
         </p:blipFill>
-        <p:spPr>
+        <p:spPr bwMode="auto">
           <a:xfrm>
-            <a:off x="3582987" y="1223212"/>
-            <a:ext cx="5085525" cy="2695327"/>
+            <a:off x="3582987" y="530309"/>
+            <a:ext cx="5085525" cy="4081133"/>
           </a:xfrm>
           <a:prstGeom prst="rect">
             <a:avLst/>
           </a:prstGeom>
           <a:noFill/>
+          <a:extLst>
+            <a:ext uri="{909E8E84-426E-40DD-AFC4-6F175D3DCCD1}">
+              <a14:hiddenFill xmlns:a14="http://schemas.microsoft.com/office/drawing/2010/main">
+                <a:solidFill>
+                  <a:srgbClr val="FFFFFF"/>
+                </a:solidFill>
+              </a14:hiddenFill>
+            </a:ext>
+          </a:extLst>
         </p:spPr>
       </p:pic>
     </p:spTree>
+    <p:extLst>
+      <p:ext uri="{BB962C8B-B14F-4D97-AF65-F5344CB8AC3E}">
+        <p14:creationId xmlns:p14="http://schemas.microsoft.com/office/powerpoint/2010/main" val="3693982306"/>
+      </p:ext>
+    </p:extLst>
   </p:cSld>
   <p:clrMapOvr>
     <a:masterClrMapping/>
@@ -5392,7 +5373,7 @@
     </p:bg>
     <p:spTree>
       <p:nvGrpSpPr>
-        <p:cNvPr id="1" name="Shape 66"/>
+        <p:cNvPr id="1" name="Shape 60"/>
         <p:cNvGrpSpPr/>
         <p:nvPr/>
       </p:nvGrpSpPr>
@@ -5406,7 +5387,7 @@
       </p:grpSpPr>
       <p:sp>
         <p:nvSpPr>
-          <p:cNvPr id="73" name="Down Arrow 7">
+          <p:cNvPr id="67" name="Down Arrow 7">
             <a:extLst>
               <a:ext uri="{FF2B5EF4-FFF2-40B4-BE49-F238E27FC236}">
                 <a16:creationId xmlns:a16="http://schemas.microsoft.com/office/drawing/2014/main" id="{D4771268-CB57-404A-9271-370EB28F6090}"/>
@@ -5472,7 +5453,7 @@
       </p:sp>
       <p:sp>
         <p:nvSpPr>
-          <p:cNvPr id="67" name="Google Shape;67;p15"/>
+          <p:cNvPr id="62" name="Google Shape;62;p14"/>
           <p:cNvSpPr txBox="1">
             <a:spLocks noGrp="1"/>
           </p:cNvSpPr>
@@ -5502,7 +5483,7 @@
               </a:spcAft>
             </a:pPr>
             <a:r>
-              <a:rPr lang="en-US" sz="1900" kern="1200">
+              <a:rPr lang="en-US" sz="2300" kern="1200">
                 <a:solidFill>
                   <a:srgbClr val="FFFFFF"/>
                 </a:solidFill>
@@ -5510,7 +5491,7 @@
                 <a:ea typeface="+mj-ea"/>
                 <a:cs typeface="+mj-cs"/>
               </a:rPr>
-              <a:t>Metrics collection from Amazon ECS using Amazon Managed Service for Prometheus</a:t>
+              <a:t>Getting Started with Amazon Managed Service for Prometheus</a:t>
             </a:r>
           </a:p>
           <a:p>
@@ -5519,25 +5500,7 @@
                 <a:spcPts val="0"/>
               </a:spcAft>
             </a:pPr>
-            <a:r>
-              <a:rPr lang="en-US" sz="1900" kern="1200">
-                <a:solidFill>
-                  <a:srgbClr val="FFFFFF"/>
-                </a:solidFill>
-                <a:latin typeface="+mj-lt"/>
-                <a:ea typeface="+mj-ea"/>
-                <a:cs typeface="+mj-cs"/>
-              </a:rPr>
-              <a:t> </a:t>
-            </a:r>
-          </a:p>
-          <a:p>
-            <a:pPr marL="0" lvl="0" indent="0" defTabSz="914400">
-              <a:spcAft>
-                <a:spcPts val="0"/>
-              </a:spcAft>
-            </a:pPr>
-            <a:endParaRPr lang="en-US" sz="1900" kern="1200">
+            <a:endParaRPr lang="en-US" sz="2300" kern="1200">
               <a:solidFill>
                 <a:srgbClr val="FFFFFF"/>
               </a:solidFill>
@@ -5555,7 +5518,200 @@
                 <a:spcPts val="0"/>
               </a:spcAft>
             </a:pPr>
-            <a:endParaRPr lang="en-US" sz="1900" kern="1200">
+            <a:endParaRPr lang="en-US" sz="2300" kern="1200">
+              <a:solidFill>
+                <a:srgbClr val="FFFFFF"/>
+              </a:solidFill>
+              <a:latin typeface="+mj-lt"/>
+              <a:ea typeface="+mj-ea"/>
+              <a:cs typeface="+mj-cs"/>
+            </a:endParaRPr>
+          </a:p>
+        </p:txBody>
+      </p:sp>
+      <p:pic>
+        <p:nvPicPr>
+          <p:cNvPr id="61" name="Google Shape;61;p14"/>
+          <p:cNvPicPr preferRelativeResize="0"/>
+          <p:nvPr/>
+        </p:nvPicPr>
+        <p:blipFill>
+          <a:blip r:embed="rId3"/>
+          <a:stretch>
+            <a:fillRect/>
+          </a:stretch>
+        </p:blipFill>
+        <p:spPr>
+          <a:xfrm>
+            <a:off x="3582987" y="1223212"/>
+            <a:ext cx="5085525" cy="2695327"/>
+          </a:xfrm>
+          <a:prstGeom prst="rect">
+            <a:avLst/>
+          </a:prstGeom>
+          <a:noFill/>
+        </p:spPr>
+      </p:pic>
+    </p:spTree>
+  </p:cSld>
+  <p:clrMapOvr>
+    <a:masterClrMapping/>
+  </p:clrMapOvr>
+</p:sld>
+</file>
+
+<file path=ppt/slides/slide4.xml><?xml version="1.0" encoding="utf-8"?>
+<p:sld xmlns:a="http://schemas.openxmlformats.org/drawingml/2006/main" xmlns:r="http://schemas.openxmlformats.org/officeDocument/2006/relationships" xmlns:p="http://schemas.openxmlformats.org/presentationml/2006/main">
+  <p:cSld>
+    <p:bg>
+      <p:bgPr>
+        <a:solidFill>
+          <a:schemeClr val="bg1"/>
+        </a:solidFill>
+        <a:effectLst/>
+      </p:bgPr>
+    </p:bg>
+    <p:spTree>
+      <p:nvGrpSpPr>
+        <p:cNvPr id="1" name="Shape 66"/>
+        <p:cNvGrpSpPr/>
+        <p:nvPr/>
+      </p:nvGrpSpPr>
+      <p:grpSpPr>
+        <a:xfrm>
+          <a:off x="0" y="0"/>
+          <a:ext cx="0" cy="0"/>
+          <a:chOff x="0" y="0"/>
+          <a:chExt cx="0" cy="0"/>
+        </a:xfrm>
+      </p:grpSpPr>
+      <p:sp>
+        <p:nvSpPr>
+          <p:cNvPr id="73" name="Down Arrow 7">
+            <a:extLst>
+              <a:ext uri="{FF2B5EF4-FFF2-40B4-BE49-F238E27FC236}">
+                <a16:creationId xmlns:a16="http://schemas.microsoft.com/office/drawing/2014/main" id="{D4771268-CB57-404A-9271-370EB28F6090}"/>
+              </a:ext>
+              <a:ext uri="{C183D7F6-B498-43B3-948B-1728B52AA6E4}">
+                <adec:decorative xmlns:adec="http://schemas.microsoft.com/office/drawing/2017/decorative" val="1"/>
+              </a:ext>
+            </a:extLst>
+          </p:cNvPr>
+          <p:cNvSpPr>
+            <a:spLocks noGrp="1" noRot="1" noChangeAspect="1" noMove="1" noResize="1" noEditPoints="1" noAdjustHandles="1" noChangeArrowheads="1" noChangeShapeType="1" noTextEdit="1"/>
+          </p:cNvSpPr>
+          <p:nvPr>
+            <p:extLst>
+              <p:ext uri="{386F3935-93C4-4BCD-93E2-E3B085C9AB24}">
+                <p16:designElem xmlns:p16="http://schemas.microsoft.com/office/powerpoint/2015/main" val="1"/>
+              </p:ext>
+            </p:extLst>
+          </p:nvPr>
+        </p:nvSpPr>
+        <p:spPr>
+          <a:xfrm rot="16200000">
+            <a:off x="600075" y="1118507"/>
+            <a:ext cx="2500312" cy="2624327"/>
+          </a:xfrm>
+          <a:prstGeom prst="downArrow">
+            <a:avLst>
+              <a:gd name="adj1" fmla="val 100000"/>
+              <a:gd name="adj2" fmla="val 15788"/>
+            </a:avLst>
+          </a:prstGeom>
+          <a:solidFill>
+            <a:srgbClr val="404040"/>
+          </a:solidFill>
+          <a:ln w="53975">
+            <a:noFill/>
+          </a:ln>
+        </p:spPr>
+        <p:style>
+          <a:lnRef idx="2">
+            <a:schemeClr val="accent1">
+              <a:shade val="50000"/>
+            </a:schemeClr>
+          </a:lnRef>
+          <a:fillRef idx="1">
+            <a:schemeClr val="accent1"/>
+          </a:fillRef>
+          <a:effectRef idx="0">
+            <a:schemeClr val="accent1"/>
+          </a:effectRef>
+          <a:fontRef idx="minor">
+            <a:schemeClr val="lt1"/>
+          </a:fontRef>
+        </p:style>
+        <p:txBody>
+          <a:bodyPr rtlCol="0" anchor="ctr"/>
+          <a:lstStyle/>
+          <a:p>
+            <a:pPr algn="ctr"/>
+            <a:endParaRPr lang="en-US"/>
+          </a:p>
+        </p:txBody>
+      </p:sp>
+      <p:sp>
+        <p:nvSpPr>
+          <p:cNvPr id="67" name="Google Shape;67;p15"/>
+          <p:cNvSpPr txBox="1">
+            <a:spLocks noGrp="1"/>
+          </p:cNvSpPr>
+          <p:nvPr>
+            <p:ph type="ctrTitle"/>
+          </p:nvPr>
+        </p:nvSpPr>
+        <p:spPr>
+          <a:xfrm>
+            <a:off x="771525" y="1475449"/>
+            <a:ext cx="1971675" cy="1910443"/>
+          </a:xfrm>
+          <a:prstGeom prst="rect">
+            <a:avLst/>
+          </a:prstGeom>
+          <a:noFill/>
+        </p:spPr>
+        <p:txBody>
+          <a:bodyPr spcFirstLastPara="1" vert="horz" lIns="91440" tIns="45720" rIns="91440" bIns="45720" rtlCol="0" anchor="ctr" anchorCtr="0">
+            <a:normAutofit/>
+          </a:bodyPr>
+          <a:lstStyle/>
+          <a:p>
+            <a:pPr marL="0" lvl="0" indent="0" defTabSz="914400">
+              <a:spcAft>
+                <a:spcPts val="0"/>
+              </a:spcAft>
+            </a:pPr>
+            <a:r>
+              <a:rPr lang="en-US" sz="1900" kern="1200" dirty="0">
+                <a:solidFill>
+                  <a:srgbClr val="FFFFFF"/>
+                </a:solidFill>
+                <a:latin typeface="+mj-lt"/>
+                <a:ea typeface="+mj-ea"/>
+                <a:cs typeface="+mj-cs"/>
+              </a:rPr>
+              <a:t>Metrics collection from Amazon ECS using Amazon Managed Service for Prometheus</a:t>
+            </a:r>
+            <a:endParaRPr lang="en-US" sz="1900" kern="1200" dirty="0">
+              <a:solidFill>
+                <a:srgbClr val="FFFFFF"/>
+              </a:solidFill>
+              <a:highlight>
+                <a:srgbClr val="FFFFFF"/>
+              </a:highlight>
+              <a:latin typeface="+mj-lt"/>
+              <a:ea typeface="+mj-ea"/>
+              <a:cs typeface="+mj-cs"/>
+            </a:endParaRPr>
+          </a:p>
+          <a:p>
+            <a:pPr marL="0" lvl="0" indent="0" defTabSz="914400">
+              <a:spcAft>
+                <a:spcPts val="0"/>
+              </a:spcAft>
+            </a:pPr>
+            <a:endParaRPr lang="en-US" sz="1900" kern="1200" dirty="0">
               <a:solidFill>
                 <a:srgbClr val="FFFFFF"/>
               </a:solidFill>
@@ -5589,6 +5745,47 @@
           <a:noFill/>
         </p:spPr>
       </p:pic>
+      <p:sp>
+        <p:nvSpPr>
+          <p:cNvPr id="3" name="TextBox 2">
+            <a:extLst>
+              <a:ext uri="{FF2B5EF4-FFF2-40B4-BE49-F238E27FC236}">
+                <a16:creationId xmlns:a16="http://schemas.microsoft.com/office/drawing/2014/main" id="{1513AF09-4553-A38A-0C4B-449F8B4CE3C7}"/>
+              </a:ext>
+            </a:extLst>
+          </p:cNvPr>
+          <p:cNvSpPr txBox="1"/>
+          <p:nvPr/>
+        </p:nvSpPr>
+        <p:spPr>
+          <a:xfrm>
+            <a:off x="538067" y="4038477"/>
+            <a:ext cx="2376961" cy="523220"/>
+          </a:xfrm>
+          <a:prstGeom prst="rect">
+            <a:avLst/>
+          </a:prstGeom>
+          <a:noFill/>
+        </p:spPr>
+        <p:txBody>
+          <a:bodyPr wrap="square">
+            <a:spAutoFit/>
+          </a:bodyPr>
+          <a:lstStyle/>
+          <a:p>
+            <a:r>
+              <a:rPr lang="en-GB" sz="1400" b="0" i="0" dirty="0">
+                <a:solidFill>
+                  <a:srgbClr val="232F3E"/>
+                </a:solidFill>
+                <a:effectLst/>
+              </a:rPr>
+              <a:t>AWS Cloud Map is a cloud resource discovery service</a:t>
+            </a:r>
+            <a:endParaRPr lang="en-CH" sz="1400" dirty="0"/>
+          </a:p>
+        </p:txBody>
+      </p:sp>
     </p:spTree>
   </p:cSld>
   <p:clrMapOvr>
